--- a/05.First Law of Thermodynamics.pptx
+++ b/05.First Law of Thermodynamics.pptx
@@ -16712,7 +16712,7 @@
           <a:p>
             <a:pPr algn="ctr"/>
             <a:r>
-              <a:rPr lang="en-US" b="1">
+              <a:rPr lang="en-US" b="1" dirty="0">
                 <a:solidFill>
                   <a:srgbClr val="FF0000"/>
                 </a:solidFill>
